--- a/Duration_dynamics.pptx
+++ b/Duration_dynamics.pptx
@@ -7,7 +7,7 @@
   <p:sldIdLst>
     <p:sldId id="256" r:id="rId2"/>
   </p:sldIdLst>
-  <p:sldSz cx="18288000" cy="6858000"/>
+  <p:sldSz cx="18288000" cy="13716000"/>
   <p:notesSz cx="6858000" cy="9144000"/>
   <p:defaultTextStyle>
     <a:defPPr>
@@ -107,7 +107,7 @@
   <p:extLst>
     <p:ext uri="{EFAFB233-063F-42B5-8137-9DF3F51BA10A}">
       <p15:sldGuideLst xmlns:p15="http://schemas.microsoft.com/office/powerpoint/2012/main">
-        <p15:guide id="1" orient="horz" pos="2160" userDrawn="1">
+        <p15:guide id="1" orient="horz" pos="4320" userDrawn="1">
           <p15:clr>
             <a:srgbClr val="A4A3A4"/>
           </p15:clr>
@@ -152,8 +152,8 @@
         </p:nvSpPr>
         <p:spPr>
           <a:xfrm>
-            <a:off x="1371600" y="2130426"/>
-            <a:ext cx="15544800" cy="1470025"/>
+            <a:off x="1371600" y="4260853"/>
+            <a:ext cx="15544800" cy="2940050"/>
           </a:xfrm>
         </p:spPr>
         <p:txBody>
@@ -179,8 +179,8 @@
         </p:nvSpPr>
         <p:spPr>
           <a:xfrm>
-            <a:off x="2743200" y="3886200"/>
-            <a:ext cx="12801600" cy="1752600"/>
+            <a:off x="2743200" y="7772400"/>
+            <a:ext cx="12801600" cy="3505200"/>
           </a:xfrm>
         </p:spPr>
         <p:txBody>
@@ -302,7 +302,7 @@
           <a:p>
             <a:fld id="{E74C0025-81F6-994F-9C31-7FCCFDCD69D4}" type="datetimeFigureOut">
               <a:rPr lang="en-US" smtClean="0"/>
-              <a:t>10/1/20</a:t>
+              <a:t>10/12/20</a:t>
             </a:fld>
             <a:endParaRPr lang="en-US"/>
           </a:p>
@@ -470,7 +470,7 @@
           <a:p>
             <a:fld id="{E74C0025-81F6-994F-9C31-7FCCFDCD69D4}" type="datetimeFigureOut">
               <a:rPr lang="en-US" smtClean="0"/>
-              <a:t>10/1/20</a:t>
+              <a:t>10/12/20</a:t>
             </a:fld>
             <a:endParaRPr lang="en-US"/>
           </a:p>
@@ -560,8 +560,8 @@
         </p:nvSpPr>
         <p:spPr>
           <a:xfrm>
-            <a:off x="13258800" y="274639"/>
-            <a:ext cx="4114800" cy="5851525"/>
+            <a:off x="13258800" y="549279"/>
+            <a:ext cx="4114800" cy="11703050"/>
           </a:xfrm>
         </p:spPr>
         <p:txBody>
@@ -587,8 +587,8 @@
         </p:nvSpPr>
         <p:spPr>
           <a:xfrm>
-            <a:off x="914400" y="274639"/>
-            <a:ext cx="12039600" cy="5851525"/>
+            <a:off x="914400" y="549279"/>
+            <a:ext cx="12039600" cy="11703050"/>
           </a:xfrm>
         </p:spPr>
         <p:txBody>
@@ -648,7 +648,7 @@
           <a:p>
             <a:fld id="{E74C0025-81F6-994F-9C31-7FCCFDCD69D4}" type="datetimeFigureOut">
               <a:rPr lang="en-US" smtClean="0"/>
-              <a:t>10/1/20</a:t>
+              <a:t>10/12/20</a:t>
             </a:fld>
             <a:endParaRPr lang="en-US"/>
           </a:p>
@@ -816,7 +816,7 @@
           <a:p>
             <a:fld id="{E74C0025-81F6-994F-9C31-7FCCFDCD69D4}" type="datetimeFigureOut">
               <a:rPr lang="en-US" smtClean="0"/>
-              <a:t>10/1/20</a:t>
+              <a:t>10/12/20</a:t>
             </a:fld>
             <a:endParaRPr lang="en-US"/>
           </a:p>
@@ -906,8 +906,8 @@
         </p:nvSpPr>
         <p:spPr>
           <a:xfrm>
-            <a:off x="1444626" y="4406901"/>
-            <a:ext cx="15544800" cy="1362075"/>
+            <a:off x="1444626" y="8813803"/>
+            <a:ext cx="15544800" cy="2724150"/>
           </a:xfrm>
         </p:spPr>
         <p:txBody>
@@ -937,8 +937,8 @@
         </p:nvSpPr>
         <p:spPr>
           <a:xfrm>
-            <a:off x="1444626" y="2906713"/>
-            <a:ext cx="15544800" cy="1500187"/>
+            <a:off x="1444626" y="5813427"/>
+            <a:ext cx="15544800" cy="3000374"/>
           </a:xfrm>
         </p:spPr>
         <p:txBody>
@@ -1061,7 +1061,7 @@
           <a:p>
             <a:fld id="{E74C0025-81F6-994F-9C31-7FCCFDCD69D4}" type="datetimeFigureOut">
               <a:rPr lang="en-US" smtClean="0"/>
-              <a:t>10/1/20</a:t>
+              <a:t>10/12/20</a:t>
             </a:fld>
             <a:endParaRPr lang="en-US"/>
           </a:p>
@@ -1173,8 +1173,8 @@
         </p:nvSpPr>
         <p:spPr>
           <a:xfrm>
-            <a:off x="914400" y="1600201"/>
-            <a:ext cx="8077200" cy="4525963"/>
+            <a:off x="914400" y="3200403"/>
+            <a:ext cx="8077200" cy="9051926"/>
           </a:xfrm>
         </p:spPr>
         <p:txBody>
@@ -1257,8 +1257,8 @@
         </p:nvSpPr>
         <p:spPr>
           <a:xfrm>
-            <a:off x="9296400" y="1600201"/>
-            <a:ext cx="8077200" cy="4525963"/>
+            <a:off x="9296400" y="3200403"/>
+            <a:ext cx="8077200" cy="9051926"/>
           </a:xfrm>
         </p:spPr>
         <p:txBody>
@@ -1346,7 +1346,7 @@
           <a:p>
             <a:fld id="{E74C0025-81F6-994F-9C31-7FCCFDCD69D4}" type="datetimeFigureOut">
               <a:rPr lang="en-US" smtClean="0"/>
-              <a:t>10/1/20</a:t>
+              <a:t>10/12/20</a:t>
             </a:fld>
             <a:endParaRPr lang="en-US"/>
           </a:p>
@@ -1462,8 +1462,8 @@
         </p:nvSpPr>
         <p:spPr>
           <a:xfrm>
-            <a:off x="914400" y="1535113"/>
-            <a:ext cx="8080376" cy="639762"/>
+            <a:off x="914400" y="3070226"/>
+            <a:ext cx="8080376" cy="1279524"/>
           </a:xfrm>
         </p:spPr>
         <p:txBody>
@@ -1527,8 +1527,8 @@
         </p:nvSpPr>
         <p:spPr>
           <a:xfrm>
-            <a:off x="914400" y="2174875"/>
-            <a:ext cx="8080376" cy="3951288"/>
+            <a:off x="914400" y="4349750"/>
+            <a:ext cx="8080376" cy="7902576"/>
           </a:xfrm>
         </p:spPr>
         <p:txBody>
@@ -1611,8 +1611,8 @@
         </p:nvSpPr>
         <p:spPr>
           <a:xfrm>
-            <a:off x="9290051" y="1535113"/>
-            <a:ext cx="8083550" cy="639762"/>
+            <a:off x="9290051" y="3070226"/>
+            <a:ext cx="8083550" cy="1279524"/>
           </a:xfrm>
         </p:spPr>
         <p:txBody>
@@ -1676,8 +1676,8 @@
         </p:nvSpPr>
         <p:spPr>
           <a:xfrm>
-            <a:off x="9290051" y="2174875"/>
-            <a:ext cx="8083550" cy="3951288"/>
+            <a:off x="9290051" y="4349750"/>
+            <a:ext cx="8083550" cy="7902576"/>
           </a:xfrm>
         </p:spPr>
         <p:txBody>
@@ -1765,7 +1765,7 @@
           <a:p>
             <a:fld id="{E74C0025-81F6-994F-9C31-7FCCFDCD69D4}" type="datetimeFigureOut">
               <a:rPr lang="en-US" smtClean="0"/>
-              <a:t>10/1/20</a:t>
+              <a:t>10/12/20</a:t>
             </a:fld>
             <a:endParaRPr lang="en-US"/>
           </a:p>
@@ -1882,7 +1882,7 @@
           <a:p>
             <a:fld id="{E74C0025-81F6-994F-9C31-7FCCFDCD69D4}" type="datetimeFigureOut">
               <a:rPr lang="en-US" smtClean="0"/>
-              <a:t>10/1/20</a:t>
+              <a:t>10/12/20</a:t>
             </a:fld>
             <a:endParaRPr lang="en-US"/>
           </a:p>
@@ -1977,7 +1977,7 @@
           <a:p>
             <a:fld id="{E74C0025-81F6-994F-9C31-7FCCFDCD69D4}" type="datetimeFigureOut">
               <a:rPr lang="en-US" smtClean="0"/>
-              <a:t>10/1/20</a:t>
+              <a:t>10/12/20</a:t>
             </a:fld>
             <a:endParaRPr lang="en-US"/>
           </a:p>
@@ -2067,8 +2067,8 @@
         </p:nvSpPr>
         <p:spPr>
           <a:xfrm>
-            <a:off x="914401" y="273050"/>
-            <a:ext cx="6016626" cy="1162050"/>
+            <a:off x="914401" y="546100"/>
+            <a:ext cx="6016626" cy="2324100"/>
           </a:xfrm>
         </p:spPr>
         <p:txBody>
@@ -2098,8 +2098,8 @@
         </p:nvSpPr>
         <p:spPr>
           <a:xfrm>
-            <a:off x="7150100" y="273051"/>
-            <a:ext cx="10223500" cy="5853113"/>
+            <a:off x="7150100" y="546103"/>
+            <a:ext cx="10223500" cy="11706226"/>
           </a:xfrm>
         </p:spPr>
         <p:txBody>
@@ -2182,8 +2182,8 @@
         </p:nvSpPr>
         <p:spPr>
           <a:xfrm>
-            <a:off x="914401" y="1435101"/>
-            <a:ext cx="6016626" cy="4691063"/>
+            <a:off x="914401" y="2870203"/>
+            <a:ext cx="6016626" cy="9382126"/>
           </a:xfrm>
         </p:spPr>
         <p:txBody>
@@ -2252,7 +2252,7 @@
           <a:p>
             <a:fld id="{E74C0025-81F6-994F-9C31-7FCCFDCD69D4}" type="datetimeFigureOut">
               <a:rPr lang="en-US" smtClean="0"/>
-              <a:t>10/1/20</a:t>
+              <a:t>10/12/20</a:t>
             </a:fld>
             <a:endParaRPr lang="en-US"/>
           </a:p>
@@ -2342,8 +2342,8 @@
         </p:nvSpPr>
         <p:spPr>
           <a:xfrm>
-            <a:off x="3584576" y="4800600"/>
-            <a:ext cx="10972800" cy="566738"/>
+            <a:off x="3584576" y="9601200"/>
+            <a:ext cx="10972800" cy="1133476"/>
           </a:xfrm>
         </p:spPr>
         <p:txBody>
@@ -2373,8 +2373,8 @@
         </p:nvSpPr>
         <p:spPr>
           <a:xfrm>
-            <a:off x="3584576" y="612775"/>
-            <a:ext cx="10972800" cy="4114800"/>
+            <a:off x="3584576" y="1225550"/>
+            <a:ext cx="10972800" cy="8229600"/>
           </a:xfrm>
         </p:spPr>
         <p:txBody>
@@ -2434,8 +2434,8 @@
         </p:nvSpPr>
         <p:spPr>
           <a:xfrm>
-            <a:off x="3584576" y="5367338"/>
-            <a:ext cx="10972800" cy="804862"/>
+            <a:off x="3584576" y="10734676"/>
+            <a:ext cx="10972800" cy="1609724"/>
           </a:xfrm>
         </p:spPr>
         <p:txBody>
@@ -2504,7 +2504,7 @@
           <a:p>
             <a:fld id="{E74C0025-81F6-994F-9C31-7FCCFDCD69D4}" type="datetimeFigureOut">
               <a:rPr lang="en-US" smtClean="0"/>
-              <a:t>10/1/20</a:t>
+              <a:t>10/12/20</a:t>
             </a:fld>
             <a:endParaRPr lang="en-US"/>
           </a:p>
@@ -2599,8 +2599,8 @@
         </p:nvSpPr>
         <p:spPr>
           <a:xfrm>
-            <a:off x="914400" y="274638"/>
-            <a:ext cx="16459200" cy="1143000"/>
+            <a:off x="914400" y="549276"/>
+            <a:ext cx="16459200" cy="2286000"/>
           </a:xfrm>
           <a:prstGeom prst="rect">
             <a:avLst/>
@@ -2631,8 +2631,8 @@
         </p:nvSpPr>
         <p:spPr>
           <a:xfrm>
-            <a:off x="914400" y="1600201"/>
-            <a:ext cx="16459200" cy="4525963"/>
+            <a:off x="914400" y="3200403"/>
+            <a:ext cx="16459200" cy="9051926"/>
           </a:xfrm>
           <a:prstGeom prst="rect">
             <a:avLst/>
@@ -2692,8 +2692,8 @@
         </p:nvSpPr>
         <p:spPr>
           <a:xfrm>
-            <a:off x="914400" y="6356351"/>
-            <a:ext cx="4267200" cy="365125"/>
+            <a:off x="914400" y="12712703"/>
+            <a:ext cx="4267200" cy="730250"/>
           </a:xfrm>
           <a:prstGeom prst="rect">
             <a:avLst/>
@@ -2715,7 +2715,7 @@
           <a:p>
             <a:fld id="{E74C0025-81F6-994F-9C31-7FCCFDCD69D4}" type="datetimeFigureOut">
               <a:rPr lang="en-US" smtClean="0"/>
-              <a:t>10/1/20</a:t>
+              <a:t>10/12/20</a:t>
             </a:fld>
             <a:endParaRPr lang="en-US"/>
           </a:p>
@@ -2733,8 +2733,8 @@
         </p:nvSpPr>
         <p:spPr>
           <a:xfrm>
-            <a:off x="6248400" y="6356351"/>
-            <a:ext cx="5791200" cy="365125"/>
+            <a:off x="6248400" y="12712703"/>
+            <a:ext cx="5791200" cy="730250"/>
           </a:xfrm>
           <a:prstGeom prst="rect">
             <a:avLst/>
@@ -2770,8 +2770,8 @@
         </p:nvSpPr>
         <p:spPr>
           <a:xfrm>
-            <a:off x="13106400" y="6356351"/>
-            <a:ext cx="4267200" cy="365125"/>
+            <a:off x="13106400" y="12712703"/>
+            <a:ext cx="4267200" cy="730250"/>
           </a:xfrm>
           <a:prstGeom prst="rect">
             <a:avLst/>
@@ -3104,10 +3104,10 @@
         </p:nvGrpSpPr>
         <p:grpSpPr>
           <a:xfrm>
-            <a:off x="526490" y="227392"/>
-            <a:ext cx="17235020" cy="6403215"/>
-            <a:chOff x="298983" y="311476"/>
-            <a:chExt cx="17235020" cy="6403215"/>
+            <a:off x="306519" y="7056746"/>
+            <a:ext cx="17348854" cy="6659254"/>
+            <a:chOff x="21984" y="55437"/>
+            <a:chExt cx="17348854" cy="6659254"/>
           </a:xfrm>
         </p:grpSpPr>
         <p:sp>
@@ -3124,8 +3124,8 @@
           </p:nvSpPr>
           <p:spPr>
             <a:xfrm rot="16200000">
-              <a:off x="-2030198" y="3022798"/>
-              <a:ext cx="5304693" cy="646331"/>
+              <a:off x="-2030198" y="2745799"/>
+              <a:ext cx="5304693" cy="1200329"/>
             </a:xfrm>
             <a:prstGeom prst="rect">
               <a:avLst/>
@@ -3140,8 +3140,27 @@
             <a:p>
               <a:pPr algn="ctr"/>
               <a:r>
+                <a:rPr lang="en-US" dirty="0">
+                  <a:solidFill>
+                    <a:srgbClr val="FF0000"/>
+                  </a:solidFill>
+                </a:rPr>
+                <a:t>Initial Dose</a:t>
+              </a:r>
+              <a:r>
                 <a:rPr lang="en-US" dirty="0"/>
-                <a:t>Infection duration</a:t>
+                <a:t>/</a:t>
+              </a:r>
+            </a:p>
+            <a:p>
+              <a:pPr algn="ctr"/>
+              <a:r>
+                <a:rPr lang="en-US" dirty="0">
+                  <a:solidFill>
+                    <a:schemeClr val="accent1"/>
+                  </a:solidFill>
+                </a:rPr>
+                <a:t>Infection Duration</a:t>
               </a:r>
             </a:p>
           </p:txBody>
@@ -3177,7 +3196,7 @@
               <a:pPr algn="ctr"/>
               <a:r>
                 <a:rPr lang="en-US" dirty="0"/>
-                <a:t>Environment/Microbial Exposure</a:t>
+                <a:t>Host Environment</a:t>
               </a:r>
             </a:p>
           </p:txBody>
@@ -3196,8 +3215,8 @@
           </p:nvSpPr>
           <p:spPr>
             <a:xfrm rot="16200000">
-              <a:off x="7086798" y="3014310"/>
-              <a:ext cx="5304693" cy="646331"/>
+              <a:off x="7086798" y="2737311"/>
+              <a:ext cx="5304693" cy="1200329"/>
             </a:xfrm>
             <a:prstGeom prst="rect">
               <a:avLst/>
@@ -3212,8 +3231,27 @@
             <a:p>
               <a:pPr algn="ctr"/>
               <a:r>
+                <a:rPr lang="en-US" dirty="0">
+                  <a:solidFill>
+                    <a:srgbClr val="FF0000"/>
+                  </a:solidFill>
+                </a:rPr>
+                <a:t>Initial Dose</a:t>
+              </a:r>
+              <a:r>
                 <a:rPr lang="en-US" dirty="0"/>
-                <a:t>Infection duration</a:t>
+                <a:t>/</a:t>
+              </a:r>
+            </a:p>
+            <a:p>
+              <a:pPr algn="ctr"/>
+              <a:r>
+                <a:rPr lang="en-US" dirty="0">
+                  <a:solidFill>
+                    <a:schemeClr val="accent1"/>
+                  </a:solidFill>
+                </a:rPr>
+                <a:t>Infection Duration</a:t>
               </a:r>
             </a:p>
           </p:txBody>
@@ -3249,7 +3287,7 @@
               <a:pPr algn="ctr"/>
               <a:r>
                 <a:rPr lang="en-US" dirty="0"/>
-                <a:t>Environment/Microbial Exposure</a:t>
+                <a:t>Host Environment</a:t>
               </a:r>
             </a:p>
           </p:txBody>
@@ -3352,10 +3390,10 @@
           </p:nvGrpSpPr>
           <p:grpSpPr>
             <a:xfrm>
-              <a:off x="10386996" y="1233831"/>
-              <a:ext cx="6888426" cy="4328048"/>
-              <a:chOff x="6714748" y="5219419"/>
-              <a:chExt cx="6888426" cy="4328048"/>
+              <a:off x="10388114" y="1234109"/>
+              <a:ext cx="6887308" cy="4327770"/>
+              <a:chOff x="6715866" y="5219697"/>
+              <a:chExt cx="6887308" cy="4327770"/>
             </a:xfrm>
           </p:grpSpPr>
           <p:sp>
@@ -3428,7 +3466,7 @@
               </a:custGeom>
               <a:ln w="57150">
                 <a:solidFill>
-                  <a:srgbClr val="000000"/>
+                  <a:schemeClr val="accent1"/>
                 </a:solidFill>
                 <a:prstDash val="solid"/>
               </a:ln>
@@ -3530,7 +3568,7 @@
             </p:nvSpPr>
             <p:spPr>
               <a:xfrm>
-                <a:off x="6714748" y="5219419"/>
+                <a:off x="6715866" y="5219697"/>
                 <a:ext cx="6887308" cy="4327769"/>
               </a:xfrm>
               <a:custGeom>
@@ -3586,7 +3624,7 @@
               </a:custGeom>
               <a:ln w="57150">
                 <a:solidFill>
-                  <a:srgbClr val="000000"/>
+                  <a:schemeClr val="accent1"/>
                 </a:solidFill>
                 <a:prstDash val="dash"/>
               </a:ln>
@@ -3638,7 +3676,7 @@
           </p:nvSpPr>
           <p:spPr>
             <a:xfrm>
-              <a:off x="10448636" y="311476"/>
+              <a:off x="10415146" y="56517"/>
               <a:ext cx="6955692" cy="646331"/>
             </a:xfrm>
             <a:prstGeom prst="rect">
@@ -3654,8 +3692,8 @@
             <a:p>
               <a:pPr algn="ctr"/>
               <a:r>
-                <a:rPr lang="en-US" i="1" dirty="0"/>
-                <a:t>B. Tipping Point</a:t>
+                <a:rPr lang="en-US" dirty="0"/>
+                <a:t>Positive feedbacks dominate</a:t>
               </a:r>
             </a:p>
           </p:txBody>
@@ -3802,7 +3840,11 @@
                 </a:path>
               </a:pathLst>
             </a:custGeom>
-            <a:ln w="57150"/>
+            <a:ln w="57150">
+              <a:solidFill>
+                <a:schemeClr val="accent1"/>
+              </a:solidFill>
+            </a:ln>
           </p:spPr>
           <p:style>
             <a:lnRef idx="1">
@@ -3841,7 +3883,7 @@
           </p:nvSpPr>
           <p:spPr>
             <a:xfrm>
-              <a:off x="1516829" y="311476"/>
+              <a:off x="1474535" y="55437"/>
               <a:ext cx="6955692" cy="646331"/>
             </a:xfrm>
             <a:prstGeom prst="rect">
@@ -3857,106 +3899,12 @@
             <a:p>
               <a:pPr algn="ctr"/>
               <a:r>
-                <a:rPr lang="en-US" i="1" dirty="0"/>
-                <a:t>A. Smooth Transition</a:t>
+                <a:rPr lang="en-US" dirty="0"/>
+                <a:t>Negative feedbacks dominate</a:t>
               </a:r>
             </a:p>
           </p:txBody>
         </p:sp>
-        <p:cxnSp>
-          <p:nvCxnSpPr>
-            <p:cNvPr id="100" name="Straight Connector 99">
-              <a:extLst>
-                <a:ext uri="{FF2B5EF4-FFF2-40B4-BE49-F238E27FC236}">
-                  <a16:creationId xmlns:a16="http://schemas.microsoft.com/office/drawing/2014/main" id="{07900DFF-634A-4B6E-A1FB-65E2B695A2EE}"/>
-                </a:ext>
-              </a:extLst>
-            </p:cNvPr>
-            <p:cNvCxnSpPr>
-              <a:cxnSpLocks/>
-            </p:cNvCxnSpPr>
-            <p:nvPr/>
-          </p:nvCxnSpPr>
-          <p:spPr>
-            <a:xfrm>
-              <a:off x="15722329" y="1386792"/>
-              <a:ext cx="0" cy="3134923"/>
-            </a:xfrm>
-            <a:prstGeom prst="line">
-              <a:avLst/>
-            </a:prstGeom>
-            <a:ln w="57150">
-              <a:solidFill>
-                <a:srgbClr val="0070C0"/>
-              </a:solidFill>
-              <a:prstDash val="sysDot"/>
-              <a:headEnd type="arrow" w="med" len="med"/>
-              <a:tailEnd type="none" w="med" len="med"/>
-            </a:ln>
-            <a:effectLst/>
-          </p:spPr>
-          <p:style>
-            <a:lnRef idx="2">
-              <a:schemeClr val="accent1"/>
-            </a:lnRef>
-            <a:fillRef idx="0">
-              <a:schemeClr val="accent1"/>
-            </a:fillRef>
-            <a:effectRef idx="1">
-              <a:schemeClr val="accent1"/>
-            </a:effectRef>
-            <a:fontRef idx="minor">
-              <a:schemeClr val="tx1"/>
-            </a:fontRef>
-          </p:style>
-        </p:cxnSp>
-        <p:cxnSp>
-          <p:nvCxnSpPr>
-            <p:cNvPr id="103" name="Straight Connector 102">
-              <a:extLst>
-                <a:ext uri="{FF2B5EF4-FFF2-40B4-BE49-F238E27FC236}">
-                  <a16:creationId xmlns:a16="http://schemas.microsoft.com/office/drawing/2014/main" id="{3FCB2180-543F-4587-AAA1-C1E2ED631E54}"/>
-                </a:ext>
-              </a:extLst>
-            </p:cNvPr>
-            <p:cNvCxnSpPr>
-              <a:cxnSpLocks/>
-            </p:cNvCxnSpPr>
-            <p:nvPr/>
-          </p:nvCxnSpPr>
-          <p:spPr>
-            <a:xfrm flipV="1">
-              <a:off x="11955872" y="2252588"/>
-              <a:ext cx="0" cy="3152458"/>
-            </a:xfrm>
-            <a:prstGeom prst="line">
-              <a:avLst/>
-            </a:prstGeom>
-            <a:ln w="57150">
-              <a:solidFill>
-                <a:srgbClr val="0070C0"/>
-              </a:solidFill>
-              <a:prstDash val="sysDot"/>
-              <a:headEnd type="arrow" w="med" len="med"/>
-              <a:tailEnd type="none" w="med" len="med"/>
-            </a:ln>
-            <a:effectLst/>
-          </p:spPr>
-          <p:style>
-            <a:lnRef idx="2">
-              <a:schemeClr val="accent1"/>
-            </a:lnRef>
-            <a:fillRef idx="0">
-              <a:schemeClr val="accent1"/>
-            </a:fillRef>
-            <a:effectRef idx="1">
-              <a:schemeClr val="accent1"/>
-            </a:effectRef>
-            <a:fontRef idx="minor">
-              <a:schemeClr val="tx1"/>
-            </a:fontRef>
-          </p:style>
-        </p:cxnSp>
         <p:sp>
           <p:nvSpPr>
             <p:cNvPr id="108" name="TextBox 107">
@@ -3987,57 +3935,26 @@
             <a:p>
               <a:pPr algn="ctr"/>
               <a:r>
-                <a:rPr lang="en-US" sz="2800" dirty="0"/>
-                <a:t>Acute</a:t>
+                <a:rPr lang="en-US" sz="2800" dirty="0">
+                  <a:solidFill>
+                    <a:schemeClr val="accent1"/>
+                  </a:solidFill>
+                </a:rPr>
+                <a:t>Short</a:t>
               </a:r>
               <a:br>
-                <a:rPr lang="en-US" sz="2800" dirty="0"/>
+                <a:rPr lang="en-US" sz="2800" dirty="0">
+                  <a:solidFill>
+                    <a:schemeClr val="accent1"/>
+                  </a:solidFill>
+                </a:rPr>
               </a:br>
               <a:r>
-                <a:rPr lang="en-US" sz="2800" dirty="0"/>
-                <a:t>infection</a:t>
-              </a:r>
-            </a:p>
-          </p:txBody>
-        </p:sp>
-        <p:sp>
-          <p:nvSpPr>
-            <p:cNvPr id="77" name="TextBox 76">
-              <a:extLst>
-                <a:ext uri="{FF2B5EF4-FFF2-40B4-BE49-F238E27FC236}">
-                  <a16:creationId xmlns:a16="http://schemas.microsoft.com/office/drawing/2014/main" id="{4D749E63-BC35-3245-9CFE-CCFA440D51FA}"/>
-                </a:ext>
-              </a:extLst>
-            </p:cNvPr>
-            <p:cNvSpPr txBox="1"/>
-            <p:nvPr/>
-          </p:nvSpPr>
-          <p:spPr>
-            <a:xfrm>
-              <a:off x="15957082" y="1439247"/>
-              <a:ext cx="1576921" cy="954107"/>
-            </a:xfrm>
-            <a:prstGeom prst="rect">
-              <a:avLst/>
-            </a:prstGeom>
-            <a:noFill/>
-          </p:spPr>
-          <p:txBody>
-            <a:bodyPr wrap="square" rtlCol="0">
-              <a:spAutoFit/>
-            </a:bodyPr>
-            <a:lstStyle/>
-            <a:p>
-              <a:pPr algn="ctr"/>
-              <a:r>
-                <a:rPr lang="en-US" sz="2800" dirty="0"/>
-                <a:t>Chronic</a:t>
-              </a:r>
-              <a:br>
-                <a:rPr lang="en-US" sz="2800" dirty="0"/>
-              </a:br>
-              <a:r>
-                <a:rPr lang="en-US" sz="2800" dirty="0"/>
+                <a:rPr lang="en-US" sz="2800" dirty="0">
+                  <a:solidFill>
+                    <a:schemeClr val="accent1"/>
+                  </a:solidFill>
+                </a:rPr>
                 <a:t>infection</a:t>
               </a:r>
             </a:p>
@@ -4057,8 +3974,8 @@
           </p:nvSpPr>
           <p:spPr>
             <a:xfrm>
-              <a:off x="1580864" y="4850211"/>
-              <a:ext cx="1576921" cy="954107"/>
+              <a:off x="1474535" y="5041842"/>
+              <a:ext cx="1576921" cy="523220"/>
             </a:xfrm>
             <a:prstGeom prst="rect">
               <a:avLst/>
@@ -4072,64 +3989,640 @@
             <a:lstStyle/>
             <a:p>
               <a:pPr algn="ctr"/>
-              <a:r>
-                <a:rPr lang="en-US" sz="2800" dirty="0"/>
-                <a:t>Acute</a:t>
-              </a:r>
-              <a:br>
-                <a:rPr lang="en-US" sz="2800" dirty="0"/>
-              </a:br>
-              <a:r>
-                <a:rPr lang="en-US" sz="2800" dirty="0"/>
-                <a:t>infection</a:t>
-              </a:r>
-            </a:p>
-          </p:txBody>
-        </p:sp>
-        <p:sp>
-          <p:nvSpPr>
-            <p:cNvPr id="93" name="TextBox 92">
-              <a:extLst>
-                <a:ext uri="{FF2B5EF4-FFF2-40B4-BE49-F238E27FC236}">
-                  <a16:creationId xmlns:a16="http://schemas.microsoft.com/office/drawing/2014/main" id="{54173E53-ABF8-5345-B156-AD15FFB96FA2}"/>
-                </a:ext>
-              </a:extLst>
-            </p:cNvPr>
-            <p:cNvSpPr txBox="1"/>
-            <p:nvPr/>
-          </p:nvSpPr>
-          <p:spPr>
-            <a:xfrm>
-              <a:off x="6921661" y="1466265"/>
-              <a:ext cx="1576921" cy="954107"/>
-            </a:xfrm>
-            <a:prstGeom prst="rect">
-              <a:avLst/>
-            </a:prstGeom>
-            <a:noFill/>
-          </p:spPr>
-          <p:txBody>
-            <a:bodyPr wrap="square" rtlCol="0">
-              <a:spAutoFit/>
-            </a:bodyPr>
-            <a:lstStyle/>
-            <a:p>
-              <a:pPr algn="ctr"/>
-              <a:r>
-                <a:rPr lang="en-US" sz="2800" dirty="0"/>
-                <a:t>Chronic</a:t>
-              </a:r>
-              <a:br>
-                <a:rPr lang="en-US" sz="2800" dirty="0"/>
-              </a:br>
-              <a:r>
-                <a:rPr lang="en-US" sz="2800" dirty="0"/>
-                <a:t>infection</a:t>
-              </a:r>
+              <a:endParaRPr lang="en-US" sz="2800" dirty="0"/>
             </a:p>
           </p:txBody>
         </p:sp>
       </p:grpSp>
+      <p:pic>
+        <p:nvPicPr>
+          <p:cNvPr id="4" name="Picture 3" descr="Diagram&#10;&#10;Description automatically generated">
+            <a:extLst>
+              <a:ext uri="{FF2B5EF4-FFF2-40B4-BE49-F238E27FC236}">
+                <a16:creationId xmlns:a16="http://schemas.microsoft.com/office/drawing/2014/main" id="{96219359-5743-E945-94E5-425B95C8EFE7}"/>
+              </a:ext>
+            </a:extLst>
+          </p:cNvPr>
+          <p:cNvPicPr>
+            <a:picLocks noChangeAspect="1"/>
+          </p:cNvPicPr>
+          <p:nvPr/>
+        </p:nvPicPr>
+        <p:blipFill>
+          <a:blip r:embed="rId2"/>
+          <a:stretch>
+            <a:fillRect/>
+          </a:stretch>
+        </p:blipFill>
+        <p:spPr>
+          <a:xfrm>
+            <a:off x="2301665" y="222164"/>
+            <a:ext cx="12962903" cy="6631684"/>
+          </a:xfrm>
+          <a:prstGeom prst="rect">
+            <a:avLst/>
+          </a:prstGeom>
+        </p:spPr>
+      </p:pic>
+      <p:cxnSp>
+        <p:nvCxnSpPr>
+          <p:cNvPr id="6" name="Straight Arrow Connector 5">
+            <a:extLst>
+              <a:ext uri="{FF2B5EF4-FFF2-40B4-BE49-F238E27FC236}">
+                <a16:creationId xmlns:a16="http://schemas.microsoft.com/office/drawing/2014/main" id="{33858AB5-B8B8-AF47-9F8A-7845A012C6FD}"/>
+              </a:ext>
+            </a:extLst>
+          </p:cNvPr>
+          <p:cNvCxnSpPr>
+            <a:cxnSpLocks/>
+          </p:cNvCxnSpPr>
+          <p:nvPr/>
+        </p:nvCxnSpPr>
+        <p:spPr>
+          <a:xfrm flipV="1">
+            <a:off x="3955312" y="10016530"/>
+            <a:ext cx="0" cy="956270"/>
+          </a:xfrm>
+          <a:prstGeom prst="straightConnector1">
+            <a:avLst/>
+          </a:prstGeom>
+          <a:ln w="53975">
+            <a:solidFill>
+              <a:srgbClr val="FF0000"/>
+            </a:solidFill>
+            <a:headEnd type="oval"/>
+            <a:tailEnd type="triangle"/>
+          </a:ln>
+        </p:spPr>
+        <p:style>
+          <a:lnRef idx="2">
+            <a:schemeClr val="accent1"/>
+          </a:lnRef>
+          <a:fillRef idx="0">
+            <a:schemeClr val="accent1"/>
+          </a:fillRef>
+          <a:effectRef idx="1">
+            <a:schemeClr val="accent1"/>
+          </a:effectRef>
+          <a:fontRef idx="minor">
+            <a:schemeClr val="tx1"/>
+          </a:fontRef>
+        </p:style>
+      </p:cxnSp>
+      <p:sp>
+        <p:nvSpPr>
+          <p:cNvPr id="30" name="TextBox 29">
+            <a:extLst>
+              <a:ext uri="{FF2B5EF4-FFF2-40B4-BE49-F238E27FC236}">
+                <a16:creationId xmlns:a16="http://schemas.microsoft.com/office/drawing/2014/main" id="{54542B45-D5EF-A44A-AB97-6CF56A126BD6}"/>
+              </a:ext>
+            </a:extLst>
+          </p:cNvPr>
+          <p:cNvSpPr txBox="1"/>
+          <p:nvPr/>
+        </p:nvSpPr>
+        <p:spPr>
+          <a:xfrm>
+            <a:off x="16291735" y="8394827"/>
+            <a:ext cx="1576921" cy="954107"/>
+          </a:xfrm>
+          <a:prstGeom prst="rect">
+            <a:avLst/>
+          </a:prstGeom>
+          <a:noFill/>
+        </p:spPr>
+        <p:txBody>
+          <a:bodyPr wrap="square" rtlCol="0">
+            <a:spAutoFit/>
+          </a:bodyPr>
+          <a:lstStyle/>
+          <a:p>
+            <a:pPr algn="ctr"/>
+            <a:r>
+              <a:rPr lang="en-US" sz="2800" dirty="0">
+                <a:solidFill>
+                  <a:schemeClr val="accent1"/>
+                </a:solidFill>
+              </a:rPr>
+              <a:t>Long</a:t>
+            </a:r>
+          </a:p>
+          <a:p>
+            <a:pPr algn="ctr"/>
+            <a:r>
+              <a:rPr lang="en-US" sz="2800" dirty="0">
+                <a:solidFill>
+                  <a:schemeClr val="accent1"/>
+                </a:solidFill>
+              </a:rPr>
+              <a:t>infection</a:t>
+            </a:r>
+          </a:p>
+        </p:txBody>
+      </p:sp>
+      <p:sp>
+        <p:nvSpPr>
+          <p:cNvPr id="31" name="TextBox 30">
+            <a:extLst>
+              <a:ext uri="{FF2B5EF4-FFF2-40B4-BE49-F238E27FC236}">
+                <a16:creationId xmlns:a16="http://schemas.microsoft.com/office/drawing/2014/main" id="{BD944070-7084-B840-AD6E-F8FDAE955672}"/>
+              </a:ext>
+            </a:extLst>
+          </p:cNvPr>
+          <p:cNvSpPr txBox="1"/>
+          <p:nvPr/>
+        </p:nvSpPr>
+        <p:spPr>
+          <a:xfrm>
+            <a:off x="7322881" y="8394826"/>
+            <a:ext cx="1576921" cy="954107"/>
+          </a:xfrm>
+          <a:prstGeom prst="rect">
+            <a:avLst/>
+          </a:prstGeom>
+          <a:noFill/>
+        </p:spPr>
+        <p:txBody>
+          <a:bodyPr wrap="square" rtlCol="0">
+            <a:spAutoFit/>
+          </a:bodyPr>
+          <a:lstStyle/>
+          <a:p>
+            <a:pPr algn="ctr"/>
+            <a:r>
+              <a:rPr lang="en-US" sz="2800" dirty="0">
+                <a:solidFill>
+                  <a:schemeClr val="accent1"/>
+                </a:solidFill>
+              </a:rPr>
+              <a:t>Long</a:t>
+            </a:r>
+          </a:p>
+          <a:p>
+            <a:pPr algn="ctr"/>
+            <a:r>
+              <a:rPr lang="en-US" sz="2800" dirty="0">
+                <a:solidFill>
+                  <a:schemeClr val="accent1"/>
+                </a:solidFill>
+              </a:rPr>
+              <a:t>infection</a:t>
+            </a:r>
+          </a:p>
+        </p:txBody>
+      </p:sp>
+      <p:sp>
+        <p:nvSpPr>
+          <p:cNvPr id="32" name="TextBox 31">
+            <a:extLst>
+              <a:ext uri="{FF2B5EF4-FFF2-40B4-BE49-F238E27FC236}">
+                <a16:creationId xmlns:a16="http://schemas.microsoft.com/office/drawing/2014/main" id="{4B48F876-C5DB-5A4D-8007-2C5F6A16A263}"/>
+              </a:ext>
+            </a:extLst>
+          </p:cNvPr>
+          <p:cNvSpPr txBox="1"/>
+          <p:nvPr/>
+        </p:nvSpPr>
+        <p:spPr>
+          <a:xfrm>
+            <a:off x="2119381" y="11465276"/>
+            <a:ext cx="1576921" cy="954107"/>
+          </a:xfrm>
+          <a:prstGeom prst="rect">
+            <a:avLst/>
+          </a:prstGeom>
+          <a:noFill/>
+        </p:spPr>
+        <p:txBody>
+          <a:bodyPr wrap="square" rtlCol="0">
+            <a:spAutoFit/>
+          </a:bodyPr>
+          <a:lstStyle/>
+          <a:p>
+            <a:pPr algn="ctr"/>
+            <a:r>
+              <a:rPr lang="en-US" sz="2800" dirty="0">
+                <a:solidFill>
+                  <a:schemeClr val="accent1"/>
+                </a:solidFill>
+              </a:rPr>
+              <a:t>Short</a:t>
+            </a:r>
+            <a:br>
+              <a:rPr lang="en-US" sz="2800" dirty="0">
+                <a:solidFill>
+                  <a:schemeClr val="accent1"/>
+                </a:solidFill>
+              </a:rPr>
+            </a:br>
+            <a:r>
+              <a:rPr lang="en-US" sz="2800" dirty="0">
+                <a:solidFill>
+                  <a:schemeClr val="accent1"/>
+                </a:solidFill>
+              </a:rPr>
+              <a:t>infection</a:t>
+            </a:r>
+          </a:p>
+        </p:txBody>
+      </p:sp>
+      <p:sp>
+        <p:nvSpPr>
+          <p:cNvPr id="33" name="TextBox 32">
+            <a:extLst>
+              <a:ext uri="{FF2B5EF4-FFF2-40B4-BE49-F238E27FC236}">
+                <a16:creationId xmlns:a16="http://schemas.microsoft.com/office/drawing/2014/main" id="{3F4BA605-FE43-0C4A-B0F8-B904B72BD12F}"/>
+              </a:ext>
+            </a:extLst>
+          </p:cNvPr>
+          <p:cNvSpPr txBox="1"/>
+          <p:nvPr/>
+        </p:nvSpPr>
+        <p:spPr>
+          <a:xfrm>
+            <a:off x="4048989" y="10899417"/>
+            <a:ext cx="1576921" cy="523220"/>
+          </a:xfrm>
+          <a:prstGeom prst="rect">
+            <a:avLst/>
+          </a:prstGeom>
+          <a:noFill/>
+        </p:spPr>
+        <p:txBody>
+          <a:bodyPr wrap="square" rtlCol="0">
+            <a:spAutoFit/>
+          </a:bodyPr>
+          <a:lstStyle/>
+          <a:p>
+            <a:pPr algn="ctr"/>
+            <a:r>
+              <a:rPr lang="en-US" sz="2800" dirty="0">
+                <a:solidFill>
+                  <a:srgbClr val="FF0000"/>
+                </a:solidFill>
+              </a:rPr>
+              <a:t>Low dose</a:t>
+            </a:r>
+          </a:p>
+        </p:txBody>
+      </p:sp>
+      <p:cxnSp>
+        <p:nvCxnSpPr>
+          <p:cNvPr id="34" name="Straight Arrow Connector 33">
+            <a:extLst>
+              <a:ext uri="{FF2B5EF4-FFF2-40B4-BE49-F238E27FC236}">
+                <a16:creationId xmlns:a16="http://schemas.microsoft.com/office/drawing/2014/main" id="{DD2C23C5-4725-D045-9757-B3D723952D86}"/>
+              </a:ext>
+            </a:extLst>
+          </p:cNvPr>
+          <p:cNvCxnSpPr>
+            <a:cxnSpLocks/>
+          </p:cNvCxnSpPr>
+          <p:nvPr/>
+        </p:nvCxnSpPr>
+        <p:spPr>
+          <a:xfrm>
+            <a:off x="3955312" y="8394826"/>
+            <a:ext cx="0" cy="1429658"/>
+          </a:xfrm>
+          <a:prstGeom prst="straightConnector1">
+            <a:avLst/>
+          </a:prstGeom>
+          <a:ln w="53975">
+            <a:solidFill>
+              <a:srgbClr val="FF0000"/>
+            </a:solidFill>
+            <a:headEnd type="oval"/>
+            <a:tailEnd type="triangle"/>
+          </a:ln>
+        </p:spPr>
+        <p:style>
+          <a:lnRef idx="2">
+            <a:schemeClr val="accent1"/>
+          </a:lnRef>
+          <a:fillRef idx="0">
+            <a:schemeClr val="accent1"/>
+          </a:fillRef>
+          <a:effectRef idx="1">
+            <a:schemeClr val="accent1"/>
+          </a:effectRef>
+          <a:fontRef idx="minor">
+            <a:schemeClr val="tx1"/>
+          </a:fontRef>
+        </p:style>
+      </p:cxnSp>
+      <p:sp>
+        <p:nvSpPr>
+          <p:cNvPr id="38" name="TextBox 37">
+            <a:extLst>
+              <a:ext uri="{FF2B5EF4-FFF2-40B4-BE49-F238E27FC236}">
+                <a16:creationId xmlns:a16="http://schemas.microsoft.com/office/drawing/2014/main" id="{E76EF4CB-BF82-D34C-A69F-05010DD9D11B}"/>
+              </a:ext>
+            </a:extLst>
+          </p:cNvPr>
+          <p:cNvSpPr txBox="1"/>
+          <p:nvPr/>
+        </p:nvSpPr>
+        <p:spPr>
+          <a:xfrm>
+            <a:off x="4048989" y="8000941"/>
+            <a:ext cx="1683078" cy="523220"/>
+          </a:xfrm>
+          <a:prstGeom prst="rect">
+            <a:avLst/>
+          </a:prstGeom>
+          <a:noFill/>
+        </p:spPr>
+        <p:txBody>
+          <a:bodyPr wrap="square" rtlCol="0">
+            <a:spAutoFit/>
+          </a:bodyPr>
+          <a:lstStyle/>
+          <a:p>
+            <a:pPr algn="ctr"/>
+            <a:r>
+              <a:rPr lang="en-US" sz="2800" dirty="0">
+                <a:solidFill>
+                  <a:srgbClr val="FF0000"/>
+                </a:solidFill>
+              </a:rPr>
+              <a:t>High dose</a:t>
+            </a:r>
+          </a:p>
+        </p:txBody>
+      </p:sp>
+      <p:cxnSp>
+        <p:nvCxnSpPr>
+          <p:cNvPr id="39" name="Straight Arrow Connector 38">
+            <a:extLst>
+              <a:ext uri="{FF2B5EF4-FFF2-40B4-BE49-F238E27FC236}">
+                <a16:creationId xmlns:a16="http://schemas.microsoft.com/office/drawing/2014/main" id="{47560C47-C55E-4B49-8260-101B9E5B2FD4}"/>
+              </a:ext>
+            </a:extLst>
+          </p:cNvPr>
+          <p:cNvCxnSpPr>
+            <a:cxnSpLocks/>
+          </p:cNvCxnSpPr>
+          <p:nvPr/>
+        </p:nvCxnSpPr>
+        <p:spPr>
+          <a:xfrm>
+            <a:off x="14177527" y="11181989"/>
+            <a:ext cx="0" cy="1009709"/>
+          </a:xfrm>
+          <a:prstGeom prst="straightConnector1">
+            <a:avLst/>
+          </a:prstGeom>
+          <a:ln w="53975">
+            <a:solidFill>
+              <a:srgbClr val="FF0000"/>
+            </a:solidFill>
+            <a:headEnd type="oval"/>
+            <a:tailEnd type="triangle"/>
+          </a:ln>
+        </p:spPr>
+        <p:style>
+          <a:lnRef idx="2">
+            <a:schemeClr val="accent1"/>
+          </a:lnRef>
+          <a:fillRef idx="0">
+            <a:schemeClr val="accent1"/>
+          </a:fillRef>
+          <a:effectRef idx="1">
+            <a:schemeClr val="accent1"/>
+          </a:effectRef>
+          <a:fontRef idx="minor">
+            <a:schemeClr val="tx1"/>
+          </a:fontRef>
+        </p:style>
+      </p:cxnSp>
+      <p:sp>
+        <p:nvSpPr>
+          <p:cNvPr id="40" name="TextBox 39">
+            <a:extLst>
+              <a:ext uri="{FF2B5EF4-FFF2-40B4-BE49-F238E27FC236}">
+                <a16:creationId xmlns:a16="http://schemas.microsoft.com/office/drawing/2014/main" id="{F6090D03-0F70-5A43-9332-3558C502FF06}"/>
+              </a:ext>
+            </a:extLst>
+          </p:cNvPr>
+          <p:cNvSpPr txBox="1"/>
+          <p:nvPr/>
+        </p:nvSpPr>
+        <p:spPr>
+          <a:xfrm>
+            <a:off x="12529652" y="10896843"/>
+            <a:ext cx="1576921" cy="523220"/>
+          </a:xfrm>
+          <a:prstGeom prst="rect">
+            <a:avLst/>
+          </a:prstGeom>
+          <a:noFill/>
+        </p:spPr>
+        <p:txBody>
+          <a:bodyPr wrap="square" rtlCol="0">
+            <a:spAutoFit/>
+          </a:bodyPr>
+          <a:lstStyle/>
+          <a:p>
+            <a:pPr algn="ctr"/>
+            <a:r>
+              <a:rPr lang="en-US" sz="2800" dirty="0">
+                <a:solidFill>
+                  <a:srgbClr val="FF0000"/>
+                </a:solidFill>
+              </a:rPr>
+              <a:t>Low dose</a:t>
+            </a:r>
+          </a:p>
+        </p:txBody>
+      </p:sp>
+      <p:cxnSp>
+        <p:nvCxnSpPr>
+          <p:cNvPr id="41" name="Straight Arrow Connector 40">
+            <a:extLst>
+              <a:ext uri="{FF2B5EF4-FFF2-40B4-BE49-F238E27FC236}">
+                <a16:creationId xmlns:a16="http://schemas.microsoft.com/office/drawing/2014/main" id="{00033116-4EA0-EC4E-89AF-1A577BA4FE1F}"/>
+              </a:ext>
+            </a:extLst>
+          </p:cNvPr>
+          <p:cNvCxnSpPr>
+            <a:cxnSpLocks/>
+          </p:cNvCxnSpPr>
+          <p:nvPr/>
+        </p:nvCxnSpPr>
+        <p:spPr>
+          <a:xfrm flipV="1">
+            <a:off x="14177527" y="8631520"/>
+            <a:ext cx="0" cy="956270"/>
+          </a:xfrm>
+          <a:prstGeom prst="straightConnector1">
+            <a:avLst/>
+          </a:prstGeom>
+          <a:ln w="53975">
+            <a:solidFill>
+              <a:srgbClr val="FF0000"/>
+            </a:solidFill>
+            <a:headEnd type="oval"/>
+            <a:tailEnd type="triangle"/>
+          </a:ln>
+        </p:spPr>
+        <p:style>
+          <a:lnRef idx="2">
+            <a:schemeClr val="accent1"/>
+          </a:lnRef>
+          <a:fillRef idx="0">
+            <a:schemeClr val="accent1"/>
+          </a:fillRef>
+          <a:effectRef idx="1">
+            <a:schemeClr val="accent1"/>
+          </a:effectRef>
+          <a:fontRef idx="minor">
+            <a:schemeClr val="tx1"/>
+          </a:fontRef>
+        </p:style>
+      </p:cxnSp>
+      <p:sp>
+        <p:nvSpPr>
+          <p:cNvPr id="42" name="TextBox 41">
+            <a:extLst>
+              <a:ext uri="{FF2B5EF4-FFF2-40B4-BE49-F238E27FC236}">
+                <a16:creationId xmlns:a16="http://schemas.microsoft.com/office/drawing/2014/main" id="{D9497C5B-ED4F-6248-B821-AAD4F65C1D8E}"/>
+              </a:ext>
+            </a:extLst>
+          </p:cNvPr>
+          <p:cNvSpPr txBox="1"/>
+          <p:nvPr/>
+        </p:nvSpPr>
+        <p:spPr>
+          <a:xfrm>
+            <a:off x="14278056" y="9348073"/>
+            <a:ext cx="1683078" cy="523220"/>
+          </a:xfrm>
+          <a:prstGeom prst="rect">
+            <a:avLst/>
+          </a:prstGeom>
+          <a:noFill/>
+        </p:spPr>
+        <p:txBody>
+          <a:bodyPr wrap="square" rtlCol="0">
+            <a:spAutoFit/>
+          </a:bodyPr>
+          <a:lstStyle/>
+          <a:p>
+            <a:pPr algn="ctr"/>
+            <a:r>
+              <a:rPr lang="en-US" sz="2800" dirty="0">
+                <a:solidFill>
+                  <a:srgbClr val="FF0000"/>
+                </a:solidFill>
+              </a:rPr>
+              <a:t>High dose</a:t>
+            </a:r>
+          </a:p>
+        </p:txBody>
+      </p:sp>
+      <p:sp>
+        <p:nvSpPr>
+          <p:cNvPr id="10" name="Rectangle 9">
+            <a:extLst>
+              <a:ext uri="{FF2B5EF4-FFF2-40B4-BE49-F238E27FC236}">
+                <a16:creationId xmlns:a16="http://schemas.microsoft.com/office/drawing/2014/main" id="{00A24085-ACDE-4145-931D-22013690FF40}"/>
+              </a:ext>
+            </a:extLst>
+          </p:cNvPr>
+          <p:cNvSpPr/>
+          <p:nvPr/>
+        </p:nvSpPr>
+        <p:spPr>
+          <a:xfrm>
+            <a:off x="1196905" y="7052400"/>
+            <a:ext cx="715260" cy="646331"/>
+          </a:xfrm>
+          <a:prstGeom prst="rect">
+            <a:avLst/>
+          </a:prstGeom>
+        </p:spPr>
+        <p:txBody>
+          <a:bodyPr wrap="none">
+            <a:spAutoFit/>
+          </a:bodyPr>
+          <a:lstStyle/>
+          <a:p>
+            <a:r>
+              <a:rPr lang="en-US" dirty="0"/>
+              <a:t>(B)</a:t>
+            </a:r>
+          </a:p>
+        </p:txBody>
+      </p:sp>
+      <p:sp>
+        <p:nvSpPr>
+          <p:cNvPr id="43" name="Rectangle 42">
+            <a:extLst>
+              <a:ext uri="{FF2B5EF4-FFF2-40B4-BE49-F238E27FC236}">
+                <a16:creationId xmlns:a16="http://schemas.microsoft.com/office/drawing/2014/main" id="{DE53D08D-AF9D-8544-825F-8BA896224BEC}"/>
+              </a:ext>
+            </a:extLst>
+          </p:cNvPr>
+          <p:cNvSpPr/>
+          <p:nvPr/>
+        </p:nvSpPr>
+        <p:spPr>
+          <a:xfrm>
+            <a:off x="10265177" y="7054140"/>
+            <a:ext cx="715260" cy="646331"/>
+          </a:xfrm>
+          <a:prstGeom prst="rect">
+            <a:avLst/>
+          </a:prstGeom>
+        </p:spPr>
+        <p:txBody>
+          <a:bodyPr wrap="none">
+            <a:spAutoFit/>
+          </a:bodyPr>
+          <a:lstStyle/>
+          <a:p>
+            <a:r>
+              <a:rPr lang="en-US" dirty="0"/>
+              <a:t>(C)</a:t>
+            </a:r>
+          </a:p>
+        </p:txBody>
+      </p:sp>
+      <p:sp>
+        <p:nvSpPr>
+          <p:cNvPr id="44" name="Rectangle 43">
+            <a:extLst>
+              <a:ext uri="{FF2B5EF4-FFF2-40B4-BE49-F238E27FC236}">
+                <a16:creationId xmlns:a16="http://schemas.microsoft.com/office/drawing/2014/main" id="{8894C56C-856F-2741-8759-AD7AF50FBC68}"/>
+              </a:ext>
+            </a:extLst>
+          </p:cNvPr>
+          <p:cNvSpPr/>
+          <p:nvPr/>
+        </p:nvSpPr>
+        <p:spPr>
+          <a:xfrm>
+            <a:off x="1196905" y="393215"/>
+            <a:ext cx="731290" cy="646331"/>
+          </a:xfrm>
+          <a:prstGeom prst="rect">
+            <a:avLst/>
+          </a:prstGeom>
+        </p:spPr>
+        <p:txBody>
+          <a:bodyPr wrap="none">
+            <a:spAutoFit/>
+          </a:bodyPr>
+          <a:lstStyle/>
+          <a:p>
+            <a:r>
+              <a:rPr lang="en-US" dirty="0"/>
+              <a:t>(A)</a:t>
+            </a:r>
+          </a:p>
+        </p:txBody>
+      </p:sp>
     </p:spTree>
     <p:extLst>
       <p:ext uri="{BB962C8B-B14F-4D97-AF65-F5344CB8AC3E}">
